--- a/相机定位.pptx
+++ b/相机定位.pptx
@@ -5,16 +5,17 @@
     <p:sldMasterId id="2147483648" r:id="rId1"/>
   </p:sldMasterIdLst>
   <p:notesMasterIdLst>
-    <p:notesMasterId r:id="rId9"/>
+    <p:notesMasterId r:id="rId10"/>
   </p:notesMasterIdLst>
   <p:sldIdLst>
     <p:sldId id="256" r:id="rId2"/>
     <p:sldId id="257" r:id="rId3"/>
-    <p:sldId id="258" r:id="rId4"/>
-    <p:sldId id="259" r:id="rId5"/>
-    <p:sldId id="260" r:id="rId6"/>
-    <p:sldId id="262" r:id="rId7"/>
+    <p:sldId id="263" r:id="rId4"/>
+    <p:sldId id="258" r:id="rId5"/>
+    <p:sldId id="259" r:id="rId6"/>
+    <p:sldId id="260" r:id="rId7"/>
     <p:sldId id="261" r:id="rId8"/>
+    <p:sldId id="262" r:id="rId9"/>
   </p:sldIdLst>
   <p:sldSz cx="12192000" cy="6858000"/>
   <p:notesSz cx="6858000" cy="9144000"/>
@@ -203,7 +204,7 @@
           <a:p>
             <a:fld id="{E96927A1-4492-4F8C-BDAB-A185AFF6E9B2}" type="datetimeFigureOut">
               <a:rPr lang="zh-CN" altLang="en-US" smtClean="0"/>
-              <a:t>2019/11/27</a:t>
+              <a:t>2019/12/2</a:t>
             </a:fld>
             <a:endParaRPr lang="zh-CN" altLang="en-US"/>
           </a:p>
@@ -542,7 +543,7 @@
           <a:p>
             <a:fld id="{C8B708AF-954F-426C-B9CF-64F9387EB8E1}" type="slidenum">
               <a:rPr lang="zh-CN" altLang="en-US" smtClean="0"/>
-              <a:t>5</a:t>
+              <a:t>6</a:t>
             </a:fld>
             <a:endParaRPr lang="zh-CN" altLang="en-US"/>
           </a:p>
@@ -804,7 +805,7 @@
           <a:p>
             <a:fld id="{04E47B56-246C-4C03-8BF9-FD5C2518BE5A}" type="datetimeFigureOut">
               <a:rPr lang="zh-CN" altLang="en-US" smtClean="0"/>
-              <a:t>2019/11/27</a:t>
+              <a:t>2019/12/2</a:t>
             </a:fld>
             <a:endParaRPr lang="zh-CN" altLang="en-US"/>
           </a:p>
@@ -1002,7 +1003,7 @@
           <a:p>
             <a:fld id="{04E47B56-246C-4C03-8BF9-FD5C2518BE5A}" type="datetimeFigureOut">
               <a:rPr lang="zh-CN" altLang="en-US" smtClean="0"/>
-              <a:t>2019/11/27</a:t>
+              <a:t>2019/12/2</a:t>
             </a:fld>
             <a:endParaRPr lang="zh-CN" altLang="en-US"/>
           </a:p>
@@ -1210,7 +1211,7 @@
           <a:p>
             <a:fld id="{04E47B56-246C-4C03-8BF9-FD5C2518BE5A}" type="datetimeFigureOut">
               <a:rPr lang="zh-CN" altLang="en-US" smtClean="0"/>
-              <a:t>2019/11/27</a:t>
+              <a:t>2019/12/2</a:t>
             </a:fld>
             <a:endParaRPr lang="zh-CN" altLang="en-US"/>
           </a:p>
@@ -1408,7 +1409,7 @@
           <a:p>
             <a:fld id="{04E47B56-246C-4C03-8BF9-FD5C2518BE5A}" type="datetimeFigureOut">
               <a:rPr lang="zh-CN" altLang="en-US" smtClean="0"/>
-              <a:t>2019/11/27</a:t>
+              <a:t>2019/12/2</a:t>
             </a:fld>
             <a:endParaRPr lang="zh-CN" altLang="en-US"/>
           </a:p>
@@ -1683,7 +1684,7 @@
           <a:p>
             <a:fld id="{04E47B56-246C-4C03-8BF9-FD5C2518BE5A}" type="datetimeFigureOut">
               <a:rPr lang="zh-CN" altLang="en-US" smtClean="0"/>
-              <a:t>2019/11/27</a:t>
+              <a:t>2019/12/2</a:t>
             </a:fld>
             <a:endParaRPr lang="zh-CN" altLang="en-US"/>
           </a:p>
@@ -1948,7 +1949,7 @@
           <a:p>
             <a:fld id="{04E47B56-246C-4C03-8BF9-FD5C2518BE5A}" type="datetimeFigureOut">
               <a:rPr lang="zh-CN" altLang="en-US" smtClean="0"/>
-              <a:t>2019/11/27</a:t>
+              <a:t>2019/12/2</a:t>
             </a:fld>
             <a:endParaRPr lang="zh-CN" altLang="en-US"/>
           </a:p>
@@ -2360,7 +2361,7 @@
           <a:p>
             <a:fld id="{04E47B56-246C-4C03-8BF9-FD5C2518BE5A}" type="datetimeFigureOut">
               <a:rPr lang="zh-CN" altLang="en-US" smtClean="0"/>
-              <a:t>2019/11/27</a:t>
+              <a:t>2019/12/2</a:t>
             </a:fld>
             <a:endParaRPr lang="zh-CN" altLang="en-US"/>
           </a:p>
@@ -2501,7 +2502,7 @@
           <a:p>
             <a:fld id="{04E47B56-246C-4C03-8BF9-FD5C2518BE5A}" type="datetimeFigureOut">
               <a:rPr lang="zh-CN" altLang="en-US" smtClean="0"/>
-              <a:t>2019/11/27</a:t>
+              <a:t>2019/12/2</a:t>
             </a:fld>
             <a:endParaRPr lang="zh-CN" altLang="en-US"/>
           </a:p>
@@ -2614,7 +2615,7 @@
           <a:p>
             <a:fld id="{04E47B56-246C-4C03-8BF9-FD5C2518BE5A}" type="datetimeFigureOut">
               <a:rPr lang="zh-CN" altLang="en-US" smtClean="0"/>
-              <a:t>2019/11/27</a:t>
+              <a:t>2019/12/2</a:t>
             </a:fld>
             <a:endParaRPr lang="zh-CN" altLang="en-US"/>
           </a:p>
@@ -2925,7 +2926,7 @@
           <a:p>
             <a:fld id="{04E47B56-246C-4C03-8BF9-FD5C2518BE5A}" type="datetimeFigureOut">
               <a:rPr lang="zh-CN" altLang="en-US" smtClean="0"/>
-              <a:t>2019/11/27</a:t>
+              <a:t>2019/12/2</a:t>
             </a:fld>
             <a:endParaRPr lang="zh-CN" altLang="en-US"/>
           </a:p>
@@ -3213,7 +3214,7 @@
           <a:p>
             <a:fld id="{04E47B56-246C-4C03-8BF9-FD5C2518BE5A}" type="datetimeFigureOut">
               <a:rPr lang="zh-CN" altLang="en-US" smtClean="0"/>
-              <a:t>2019/11/27</a:t>
+              <a:t>2019/12/2</a:t>
             </a:fld>
             <a:endParaRPr lang="zh-CN" altLang="en-US"/>
           </a:p>
@@ -3454,7 +3455,7 @@
           <a:p>
             <a:fld id="{04E47B56-246C-4C03-8BF9-FD5C2518BE5A}" type="datetimeFigureOut">
               <a:rPr lang="zh-CN" altLang="en-US" smtClean="0"/>
-              <a:t>2019/11/27</a:t>
+              <a:t>2019/12/2</a:t>
             </a:fld>
             <a:endParaRPr lang="zh-CN" altLang="en-US"/>
           </a:p>
@@ -4124,6 +4125,255 @@
           <p:cNvPr id="4" name="文本框 3">
             <a:extLst>
               <a:ext uri="{FF2B5EF4-FFF2-40B4-BE49-F238E27FC236}">
+                <a16:creationId xmlns:a16="http://schemas.microsoft.com/office/drawing/2014/main" id="{157CF48F-B073-4C9F-B12C-B13DF9EF0047}"/>
+              </a:ext>
+            </a:extLst>
+          </p:cNvPr>
+          <p:cNvSpPr txBox="1"/>
+          <p:nvPr/>
+        </p:nvSpPr>
+        <p:spPr>
+          <a:xfrm>
+            <a:off x="540774" y="245806"/>
+            <a:ext cx="7590503" cy="923330"/>
+          </a:xfrm>
+          <a:prstGeom prst="rect">
+            <a:avLst/>
+          </a:prstGeom>
+          <a:noFill/>
+        </p:spPr>
+        <p:txBody>
+          <a:bodyPr wrap="square" rtlCol="0">
+            <a:spAutoFit/>
+          </a:bodyPr>
+          <a:lstStyle/>
+          <a:p>
+            <a:r>
+              <a:rPr lang="zh-CN" altLang="en-US" dirty="0"/>
+              <a:t>视觉里程计：</a:t>
+            </a:r>
+            <a:endParaRPr lang="en-US" altLang="zh-CN" dirty="0"/>
+          </a:p>
+          <a:p>
+            <a:endParaRPr lang="en-US" altLang="zh-CN" dirty="0"/>
+          </a:p>
+          <a:p>
+            <a:r>
+              <a:rPr lang="zh-CN" altLang="en-US" dirty="0"/>
+              <a:t>通过图像来获得相对运动信息</a:t>
+            </a:r>
+          </a:p>
+        </p:txBody>
+      </p:sp>
+      <p:sp>
+        <p:nvSpPr>
+          <p:cNvPr id="5" name="矩形 4">
+            <a:extLst>
+              <a:ext uri="{FF2B5EF4-FFF2-40B4-BE49-F238E27FC236}">
+                <a16:creationId xmlns:a16="http://schemas.microsoft.com/office/drawing/2014/main" id="{17E6F97B-5742-4C37-9B1F-E441DD399961}"/>
+              </a:ext>
+            </a:extLst>
+          </p:cNvPr>
+          <p:cNvSpPr/>
+          <p:nvPr/>
+        </p:nvSpPr>
+        <p:spPr>
+          <a:xfrm>
+            <a:off x="953729" y="1995948"/>
+            <a:ext cx="2625213" cy="1799304"/>
+          </a:xfrm>
+          <a:prstGeom prst="rect">
+            <a:avLst/>
+          </a:prstGeom>
+        </p:spPr>
+        <p:style>
+          <a:lnRef idx="2">
+            <a:schemeClr val="accent1">
+              <a:shade val="50000"/>
+            </a:schemeClr>
+          </a:lnRef>
+          <a:fillRef idx="1">
+            <a:schemeClr val="accent1"/>
+          </a:fillRef>
+          <a:effectRef idx="0">
+            <a:schemeClr val="accent1"/>
+          </a:effectRef>
+          <a:fontRef idx="minor">
+            <a:schemeClr val="lt1"/>
+          </a:fontRef>
+        </p:style>
+        <p:txBody>
+          <a:bodyPr rtlCol="0" anchor="ctr"/>
+          <a:lstStyle/>
+          <a:p>
+            <a:pPr algn="ctr"/>
+            <a:r>
+              <a:rPr lang="en-US" altLang="zh-CN" sz="4400" dirty="0"/>
+              <a:t>A</a:t>
+            </a:r>
+            <a:endParaRPr lang="zh-CN" altLang="en-US" sz="4400" dirty="0"/>
+          </a:p>
+        </p:txBody>
+      </p:sp>
+      <p:sp>
+        <p:nvSpPr>
+          <p:cNvPr id="6" name="矩形 5">
+            <a:extLst>
+              <a:ext uri="{FF2B5EF4-FFF2-40B4-BE49-F238E27FC236}">
+                <a16:creationId xmlns:a16="http://schemas.microsoft.com/office/drawing/2014/main" id="{C57F78C4-BA15-47DA-98F3-8F39A498E700}"/>
+              </a:ext>
+            </a:extLst>
+          </p:cNvPr>
+          <p:cNvSpPr/>
+          <p:nvPr/>
+        </p:nvSpPr>
+        <p:spPr>
+          <a:xfrm>
+            <a:off x="5506064" y="1991031"/>
+            <a:ext cx="2625213" cy="1799304"/>
+          </a:xfrm>
+          <a:prstGeom prst="rect">
+            <a:avLst/>
+          </a:prstGeom>
+        </p:spPr>
+        <p:style>
+          <a:lnRef idx="2">
+            <a:schemeClr val="accent1">
+              <a:shade val="50000"/>
+            </a:schemeClr>
+          </a:lnRef>
+          <a:fillRef idx="1">
+            <a:schemeClr val="accent1"/>
+          </a:fillRef>
+          <a:effectRef idx="0">
+            <a:schemeClr val="accent1"/>
+          </a:effectRef>
+          <a:fontRef idx="minor">
+            <a:schemeClr val="lt1"/>
+          </a:fontRef>
+        </p:style>
+        <p:txBody>
+          <a:bodyPr rtlCol="0" anchor="ctr"/>
+          <a:lstStyle/>
+          <a:p>
+            <a:pPr algn="ctr"/>
+            <a:r>
+              <a:rPr lang="en-US" altLang="zh-CN" sz="4400" dirty="0"/>
+              <a:t>       A</a:t>
+            </a:r>
+            <a:endParaRPr lang="zh-CN" altLang="en-US" sz="4400" dirty="0"/>
+          </a:p>
+        </p:txBody>
+      </p:sp>
+      <p:cxnSp>
+        <p:nvCxnSpPr>
+          <p:cNvPr id="8" name="直接箭头连接符 7">
+            <a:extLst>
+              <a:ext uri="{FF2B5EF4-FFF2-40B4-BE49-F238E27FC236}">
+                <a16:creationId xmlns:a16="http://schemas.microsoft.com/office/drawing/2014/main" id="{C9D0626D-9A95-4DE4-B129-1CCC0F123BF5}"/>
+              </a:ext>
+            </a:extLst>
+          </p:cNvPr>
+          <p:cNvCxnSpPr/>
+          <p:nvPr/>
+        </p:nvCxnSpPr>
+        <p:spPr>
+          <a:xfrm>
+            <a:off x="3765755" y="2895600"/>
+            <a:ext cx="1445342" cy="0"/>
+          </a:xfrm>
+          <a:prstGeom prst="straightConnector1">
+            <a:avLst/>
+          </a:prstGeom>
+          <a:ln>
+            <a:tailEnd type="triangle"/>
+          </a:ln>
+        </p:spPr>
+        <p:style>
+          <a:lnRef idx="1">
+            <a:schemeClr val="accent1"/>
+          </a:lnRef>
+          <a:fillRef idx="0">
+            <a:schemeClr val="accent1"/>
+          </a:fillRef>
+          <a:effectRef idx="0">
+            <a:schemeClr val="accent1"/>
+          </a:effectRef>
+          <a:fontRef idx="minor">
+            <a:schemeClr val="tx1"/>
+          </a:fontRef>
+        </p:style>
+      </p:cxnSp>
+      <p:sp>
+        <p:nvSpPr>
+          <p:cNvPr id="9" name="文本框 8">
+            <a:extLst>
+              <a:ext uri="{FF2B5EF4-FFF2-40B4-BE49-F238E27FC236}">
+                <a16:creationId xmlns:a16="http://schemas.microsoft.com/office/drawing/2014/main" id="{B359C26C-EF27-438D-9250-0BA7675376D6}"/>
+              </a:ext>
+            </a:extLst>
+          </p:cNvPr>
+          <p:cNvSpPr txBox="1"/>
+          <p:nvPr/>
+        </p:nvSpPr>
+        <p:spPr>
+          <a:xfrm>
+            <a:off x="953729" y="4572000"/>
+            <a:ext cx="5948516" cy="646331"/>
+          </a:xfrm>
+          <a:prstGeom prst="rect">
+            <a:avLst/>
+          </a:prstGeom>
+          <a:noFill/>
+        </p:spPr>
+        <p:txBody>
+          <a:bodyPr wrap="square" rtlCol="0">
+            <a:spAutoFit/>
+          </a:bodyPr>
+          <a:lstStyle/>
+          <a:p>
+            <a:r>
+              <a:rPr lang="zh-CN" altLang="en-US" dirty="0"/>
+              <a:t>通过这样两张图片就可以知道相机向左移动，结合其他的一些信息就可以大体估算出相机的相对运动状态</a:t>
+            </a:r>
+          </a:p>
+        </p:txBody>
+      </p:sp>
+    </p:spTree>
+    <p:extLst>
+      <p:ext uri="{BB962C8B-B14F-4D97-AF65-F5344CB8AC3E}">
+        <p14:creationId xmlns:p14="http://schemas.microsoft.com/office/powerpoint/2010/main" val="1606509767"/>
+      </p:ext>
+    </p:extLst>
+  </p:cSld>
+  <p:clrMapOvr>
+    <a:masterClrMapping/>
+  </p:clrMapOvr>
+</p:sld>
+</file>
+
+<file path=ppt/slides/slide4.xml><?xml version="1.0" encoding="utf-8"?>
+<p:sld xmlns:a="http://schemas.openxmlformats.org/drawingml/2006/main" xmlns:r="http://schemas.openxmlformats.org/officeDocument/2006/relationships" xmlns:p="http://schemas.openxmlformats.org/presentationml/2006/main">
+  <p:cSld>
+    <p:spTree>
+      <p:nvGrpSpPr>
+        <p:cNvPr id="1" name=""/>
+        <p:cNvGrpSpPr/>
+        <p:nvPr/>
+      </p:nvGrpSpPr>
+      <p:grpSpPr>
+        <a:xfrm>
+          <a:off x="0" y="0"/>
+          <a:ext cx="0" cy="0"/>
+          <a:chOff x="0" y="0"/>
+          <a:chExt cx="0" cy="0"/>
+        </a:xfrm>
+      </p:grpSpPr>
+      <p:sp>
+        <p:nvSpPr>
+          <p:cNvPr id="4" name="文本框 3">
+            <a:extLst>
+              <a:ext uri="{FF2B5EF4-FFF2-40B4-BE49-F238E27FC236}">
                 <a16:creationId xmlns:a16="http://schemas.microsoft.com/office/drawing/2014/main" id="{D58F2E93-4811-40D6-B716-D621614B39A7}"/>
               </a:ext>
             </a:extLst>
@@ -4248,7 +4498,7 @@
 </p:sld>
 </file>
 
-<file path=ppt/slides/slide4.xml><?xml version="1.0" encoding="utf-8"?>
+<file path=ppt/slides/slide5.xml><?xml version="1.0" encoding="utf-8"?>
 <p:sld xmlns:a="http://schemas.openxmlformats.org/drawingml/2006/main" xmlns:r="http://schemas.openxmlformats.org/officeDocument/2006/relationships" xmlns:p="http://schemas.openxmlformats.org/presentationml/2006/main">
   <p:cSld>
     <p:spTree>
@@ -4279,8 +4529,8 @@
         </p:nvSpPr>
         <p:spPr>
           <a:xfrm>
-            <a:off x="367645" y="358219"/>
-            <a:ext cx="10897386" cy="369332"/>
+            <a:off x="377477" y="133195"/>
+            <a:ext cx="10897386" cy="923330"/>
           </a:xfrm>
           <a:prstGeom prst="rect">
             <a:avLst/>
@@ -4298,6 +4548,35 @@
               <a:t>特征提取和相对估计：</a:t>
             </a:r>
             <a:endParaRPr lang="en-US" altLang="zh-CN" dirty="0"/>
+          </a:p>
+          <a:p>
+            <a:endParaRPr lang="en-US" altLang="zh-CN" dirty="0"/>
+          </a:p>
+          <a:p>
+            <a:r>
+              <a:rPr lang="zh-CN" altLang="en-US" dirty="0"/>
+              <a:t>输入为输入序列中每相邻的两帧 例：输入为</a:t>
+            </a:r>
+            <a:r>
+              <a:rPr lang="en-US" altLang="zh-CN" dirty="0"/>
+              <a:t>x0,x1,x2…</a:t>
+            </a:r>
+            <a:r>
+              <a:rPr lang="en-US" altLang="zh-CN" dirty="0" err="1"/>
+              <a:t>xn</a:t>
+            </a:r>
+            <a:r>
+              <a:rPr lang="en-US" altLang="zh-CN" dirty="0"/>
+              <a:t> </a:t>
+            </a:r>
+            <a:r>
+              <a:rPr lang="zh-CN" altLang="en-US" dirty="0"/>
+              <a:t>依次提取 </a:t>
+            </a:r>
+            <a:r>
+              <a:rPr lang="en-US" altLang="zh-CN" dirty="0"/>
+              <a:t>(x0,x1),(x1,x2)…</a:t>
+            </a:r>
           </a:p>
         </p:txBody>
       </p:sp>
@@ -4331,42 +4610,12 @@
           </a:prstGeom>
         </p:spPr>
       </p:pic>
-    </p:spTree>
-    <p:extLst>
-      <p:ext uri="{BB962C8B-B14F-4D97-AF65-F5344CB8AC3E}">
-        <p14:creationId xmlns:p14="http://schemas.microsoft.com/office/powerpoint/2010/main" val="3444273976"/>
-      </p:ext>
-    </p:extLst>
-  </p:cSld>
-  <p:clrMapOvr>
-    <a:masterClrMapping/>
-  </p:clrMapOvr>
-</p:sld>
-</file>
-
-<file path=ppt/slides/slide5.xml><?xml version="1.0" encoding="utf-8"?>
-<p:sld xmlns:a="http://schemas.openxmlformats.org/drawingml/2006/main" xmlns:r="http://schemas.openxmlformats.org/officeDocument/2006/relationships" xmlns:p="http://schemas.openxmlformats.org/presentationml/2006/main">
-  <p:cSld>
-    <p:spTree>
-      <p:nvGrpSpPr>
-        <p:cNvPr id="1" name=""/>
-        <p:cNvGrpSpPr/>
-        <p:nvPr/>
-      </p:nvGrpSpPr>
-      <p:grpSpPr>
-        <a:xfrm>
-          <a:off x="0" y="0"/>
-          <a:ext cx="0" cy="0"/>
-          <a:chOff x="0" y="0"/>
-          <a:chExt cx="0" cy="0"/>
-        </a:xfrm>
-      </p:grpSpPr>
-      <p:sp>
-        <p:nvSpPr>
-          <p:cNvPr id="4" name="文本框 3">
-            <a:extLst>
-              <a:ext uri="{FF2B5EF4-FFF2-40B4-BE49-F238E27FC236}">
-                <a16:creationId xmlns:a16="http://schemas.microsoft.com/office/drawing/2014/main" id="{54AD7AFC-7D8E-4C45-A253-CD4627029ABB}"/>
+      <p:sp>
+        <p:nvSpPr>
+          <p:cNvPr id="2" name="文本框 1">
+            <a:extLst>
+              <a:ext uri="{FF2B5EF4-FFF2-40B4-BE49-F238E27FC236}">
+                <a16:creationId xmlns:a16="http://schemas.microsoft.com/office/drawing/2014/main" id="{46DE7E32-3B11-4250-B1D6-64CE1627D82D}"/>
               </a:ext>
             </a:extLst>
           </p:cNvPr>
@@ -4375,8 +4624,8 @@
         </p:nvSpPr>
         <p:spPr>
           <a:xfrm>
-            <a:off x="744718" y="527901"/>
-            <a:ext cx="9964131" cy="369332"/>
+            <a:off x="963561" y="1740310"/>
+            <a:ext cx="1582994" cy="369332"/>
           </a:xfrm>
           <a:prstGeom prst="rect">
             <a:avLst/>
@@ -4391,108 +4640,97 @@
           <a:p>
             <a:r>
               <a:rPr lang="zh-CN" altLang="en-US" dirty="0"/>
-              <a:t>信息增强：引入原始特征作为指导进行特征信息增强</a:t>
-            </a:r>
-            <a:endParaRPr lang="en-US" altLang="zh-CN" dirty="0"/>
-          </a:p>
-        </p:txBody>
-      </p:sp>
-      <p:pic>
-        <p:nvPicPr>
-          <p:cNvPr id="5" name="图片 4">
-            <a:extLst>
-              <a:ext uri="{FF2B5EF4-FFF2-40B4-BE49-F238E27FC236}">
-                <a16:creationId xmlns:a16="http://schemas.microsoft.com/office/drawing/2014/main" id="{111B0180-5F4E-4905-9836-13D80A22D310}"/>
-              </a:ext>
-            </a:extLst>
-          </p:cNvPr>
-          <p:cNvPicPr>
-            <a:picLocks noChangeAspect="1"/>
-          </p:cNvPicPr>
+              <a:t>相邻的两帧</a:t>
+            </a:r>
+          </a:p>
+        </p:txBody>
+      </p:sp>
+      <p:cxnSp>
+        <p:nvCxnSpPr>
+          <p:cNvPr id="6" name="直接箭头连接符 5">
+            <a:extLst>
+              <a:ext uri="{FF2B5EF4-FFF2-40B4-BE49-F238E27FC236}">
+                <a16:creationId xmlns:a16="http://schemas.microsoft.com/office/drawing/2014/main" id="{40681F50-496E-463D-8DA5-6ED54D1E1AD0}"/>
+              </a:ext>
+            </a:extLst>
+          </p:cNvPr>
+          <p:cNvCxnSpPr>
+            <a:stCxn id="2" idx="3"/>
+          </p:cNvCxnSpPr>
           <p:nvPr/>
-        </p:nvPicPr>
-        <p:blipFill>
-          <a:blip r:embed="rId3"/>
-          <a:stretch>
-            <a:fillRect/>
-          </a:stretch>
-        </p:blipFill>
+        </p:nvCxnSpPr>
         <p:spPr>
           <a:xfrm>
-            <a:off x="2816258" y="897233"/>
-            <a:ext cx="5432196" cy="4290857"/>
+            <a:off x="2546555" y="1924976"/>
+            <a:ext cx="393290" cy="306947"/>
           </a:xfrm>
-          <a:prstGeom prst="rect">
+          <a:prstGeom prst="straightConnector1">
             <a:avLst/>
           </a:prstGeom>
+          <a:ln>
+            <a:tailEnd type="triangle"/>
+          </a:ln>
         </p:spPr>
-      </p:pic>
-      <p:sp>
-        <p:nvSpPr>
-          <p:cNvPr id="6" name="文本框 5">
-            <a:extLst>
-              <a:ext uri="{FF2B5EF4-FFF2-40B4-BE49-F238E27FC236}">
-                <a16:creationId xmlns:a16="http://schemas.microsoft.com/office/drawing/2014/main" id="{657E1119-2580-43D8-A17E-2432ADF5FF75}"/>
-              </a:ext>
-            </a:extLst>
-          </p:cNvPr>
-          <p:cNvSpPr txBox="1"/>
+        <p:style>
+          <a:lnRef idx="1">
+            <a:schemeClr val="accent1"/>
+          </a:lnRef>
+          <a:fillRef idx="0">
+            <a:schemeClr val="accent1"/>
+          </a:fillRef>
+          <a:effectRef idx="0">
+            <a:schemeClr val="accent1"/>
+          </a:effectRef>
+          <a:fontRef idx="minor">
+            <a:schemeClr val="tx1"/>
+          </a:fontRef>
+        </p:style>
+      </p:cxnSp>
+      <p:cxnSp>
+        <p:nvCxnSpPr>
+          <p:cNvPr id="8" name="直接箭头连接符 7">
+            <a:extLst>
+              <a:ext uri="{FF2B5EF4-FFF2-40B4-BE49-F238E27FC236}">
+                <a16:creationId xmlns:a16="http://schemas.microsoft.com/office/drawing/2014/main" id="{A342796F-E33E-4261-AD00-4043C5E6C534}"/>
+              </a:ext>
+            </a:extLst>
+          </p:cNvPr>
+          <p:cNvCxnSpPr>
+            <a:stCxn id="2" idx="3"/>
+          </p:cNvCxnSpPr>
           <p:nvPr/>
-        </p:nvSpPr>
+        </p:nvCxnSpPr>
         <p:spPr>
           <a:xfrm>
-            <a:off x="904973" y="5307291"/>
-            <a:ext cx="10190375" cy="1093509"/>
+            <a:off x="2546555" y="1924976"/>
+            <a:ext cx="393290" cy="2342224"/>
           </a:xfrm>
-          <a:prstGeom prst="rect">
+          <a:prstGeom prst="straightConnector1">
             <a:avLst/>
           </a:prstGeom>
-          <a:noFill/>
+          <a:ln>
+            <a:tailEnd type="triangle"/>
+          </a:ln>
         </p:spPr>
-        <p:txBody>
-          <a:bodyPr wrap="square" rtlCol="0">
-            <a:spAutoFit/>
-          </a:bodyPr>
-          <a:lstStyle/>
-          <a:p>
-            <a:endParaRPr lang="zh-CN" altLang="en-US" dirty="0"/>
-          </a:p>
-        </p:txBody>
-      </p:sp>
-      <p:pic>
-        <p:nvPicPr>
-          <p:cNvPr id="7" name="图片 6">
-            <a:extLst>
-              <a:ext uri="{FF2B5EF4-FFF2-40B4-BE49-F238E27FC236}">
-                <a16:creationId xmlns:a16="http://schemas.microsoft.com/office/drawing/2014/main" id="{9629AECF-7AEA-4966-985C-BA1D5D3B31FB}"/>
-              </a:ext>
-            </a:extLst>
-          </p:cNvPr>
-          <p:cNvPicPr>
-            <a:picLocks noChangeAspect="1"/>
-          </p:cNvPicPr>
-          <p:nvPr/>
-        </p:nvPicPr>
-        <p:blipFill>
-          <a:blip r:embed="rId4"/>
-          <a:stretch>
-            <a:fillRect/>
-          </a:stretch>
-        </p:blipFill>
-        <p:spPr>
-          <a:xfrm>
-            <a:off x="2832018" y="5324475"/>
-            <a:ext cx="5400675" cy="1076325"/>
-          </a:xfrm>
-          <a:prstGeom prst="rect">
-            <a:avLst/>
-          </a:prstGeom>
-        </p:spPr>
-      </p:pic>
+        <p:style>
+          <a:lnRef idx="1">
+            <a:schemeClr val="accent1"/>
+          </a:lnRef>
+          <a:fillRef idx="0">
+            <a:schemeClr val="accent1"/>
+          </a:fillRef>
+          <a:effectRef idx="0">
+            <a:schemeClr val="accent1"/>
+          </a:effectRef>
+          <a:fontRef idx="minor">
+            <a:schemeClr val="tx1"/>
+          </a:fontRef>
+        </p:style>
+      </p:cxnSp>
     </p:spTree>
     <p:extLst>
       <p:ext uri="{BB962C8B-B14F-4D97-AF65-F5344CB8AC3E}">
-        <p14:creationId xmlns:p14="http://schemas.microsoft.com/office/powerpoint/2010/main" val="1490847008"/>
+        <p14:creationId xmlns:p14="http://schemas.microsoft.com/office/powerpoint/2010/main" val="3444273976"/>
       </p:ext>
     </p:extLst>
   </p:cSld>
@@ -4519,12 +4757,48 @@
           <a:chExt cx="0" cy="0"/>
         </a:xfrm>
       </p:grpSpPr>
+      <p:sp>
+        <p:nvSpPr>
+          <p:cNvPr id="4" name="文本框 3">
+            <a:extLst>
+              <a:ext uri="{FF2B5EF4-FFF2-40B4-BE49-F238E27FC236}">
+                <a16:creationId xmlns:a16="http://schemas.microsoft.com/office/drawing/2014/main" id="{54AD7AFC-7D8E-4C45-A253-CD4627029ABB}"/>
+              </a:ext>
+            </a:extLst>
+          </p:cNvPr>
+          <p:cNvSpPr txBox="1"/>
+          <p:nvPr/>
+        </p:nvSpPr>
+        <p:spPr>
+          <a:xfrm>
+            <a:off x="744718" y="527901"/>
+            <a:ext cx="9964131" cy="369332"/>
+          </a:xfrm>
+          <a:prstGeom prst="rect">
+            <a:avLst/>
+          </a:prstGeom>
+          <a:noFill/>
+        </p:spPr>
+        <p:txBody>
+          <a:bodyPr wrap="square" rtlCol="0">
+            <a:spAutoFit/>
+          </a:bodyPr>
+          <a:lstStyle/>
+          <a:p>
+            <a:r>
+              <a:rPr lang="zh-CN" altLang="en-US" dirty="0"/>
+              <a:t>信息增强：引入原始特征作为指导进行特征信息增强</a:t>
+            </a:r>
+            <a:endParaRPr lang="en-US" altLang="zh-CN" dirty="0"/>
+          </a:p>
+        </p:txBody>
+      </p:sp>
       <p:pic>
         <p:nvPicPr>
-          <p:cNvPr id="4" name="图片 3">
-            <a:extLst>
-              <a:ext uri="{FF2B5EF4-FFF2-40B4-BE49-F238E27FC236}">
-                <a16:creationId xmlns:a16="http://schemas.microsoft.com/office/drawing/2014/main" id="{7E3E2823-31AE-4C93-B294-3CC8DB87604B}"/>
+          <p:cNvPr id="5" name="图片 4">
+            <a:extLst>
+              <a:ext uri="{FF2B5EF4-FFF2-40B4-BE49-F238E27FC236}">
+                <a16:creationId xmlns:a16="http://schemas.microsoft.com/office/drawing/2014/main" id="{111B0180-5F4E-4905-9836-13D80A22D310}"/>
               </a:ext>
             </a:extLst>
           </p:cNvPr>
@@ -4534,25 +4808,142 @@
           <p:nvPr/>
         </p:nvPicPr>
         <p:blipFill>
-          <a:blip r:embed="rId2"/>
+          <a:blip r:embed="rId3"/>
           <a:stretch>
             <a:fillRect/>
           </a:stretch>
         </p:blipFill>
         <p:spPr>
           <a:xfrm>
-            <a:off x="2105025" y="1423987"/>
-            <a:ext cx="7981950" cy="4010025"/>
+            <a:off x="2816258" y="897233"/>
+            <a:ext cx="5432196" cy="4290857"/>
           </a:xfrm>
           <a:prstGeom prst="rect">
             <a:avLst/>
           </a:prstGeom>
         </p:spPr>
       </p:pic>
+      <p:sp>
+        <p:nvSpPr>
+          <p:cNvPr id="6" name="文本框 5">
+            <a:extLst>
+              <a:ext uri="{FF2B5EF4-FFF2-40B4-BE49-F238E27FC236}">
+                <a16:creationId xmlns:a16="http://schemas.microsoft.com/office/drawing/2014/main" id="{657E1119-2580-43D8-A17E-2432ADF5FF75}"/>
+              </a:ext>
+            </a:extLst>
+          </p:cNvPr>
+          <p:cNvSpPr txBox="1"/>
+          <p:nvPr/>
+        </p:nvSpPr>
+        <p:spPr>
+          <a:xfrm>
+            <a:off x="904973" y="5307291"/>
+            <a:ext cx="10190375" cy="1093509"/>
+          </a:xfrm>
+          <a:prstGeom prst="rect">
+            <a:avLst/>
+          </a:prstGeom>
+          <a:noFill/>
+        </p:spPr>
+        <p:txBody>
+          <a:bodyPr wrap="square" rtlCol="0">
+            <a:spAutoFit/>
+          </a:bodyPr>
+          <a:lstStyle/>
+          <a:p>
+            <a:endParaRPr lang="zh-CN" altLang="en-US" dirty="0"/>
+          </a:p>
+        </p:txBody>
+      </p:sp>
+      <p:pic>
+        <p:nvPicPr>
+          <p:cNvPr id="7" name="图片 6">
+            <a:extLst>
+              <a:ext uri="{FF2B5EF4-FFF2-40B4-BE49-F238E27FC236}">
+                <a16:creationId xmlns:a16="http://schemas.microsoft.com/office/drawing/2014/main" id="{9629AECF-7AEA-4966-985C-BA1D5D3B31FB}"/>
+              </a:ext>
+            </a:extLst>
+          </p:cNvPr>
+          <p:cNvPicPr>
+            <a:picLocks noChangeAspect="1"/>
+          </p:cNvPicPr>
+          <p:nvPr/>
+        </p:nvPicPr>
+        <p:blipFill>
+          <a:blip r:embed="rId4"/>
+          <a:stretch>
+            <a:fillRect/>
+          </a:stretch>
+        </p:blipFill>
+        <p:spPr>
+          <a:xfrm>
+            <a:off x="2832018" y="5324475"/>
+            <a:ext cx="5400675" cy="1076325"/>
+          </a:xfrm>
+          <a:prstGeom prst="rect">
+            <a:avLst/>
+          </a:prstGeom>
+        </p:spPr>
+      </p:pic>
+      <p:sp>
+        <p:nvSpPr>
+          <p:cNvPr id="2" name="文本框 1">
+            <a:extLst>
+              <a:ext uri="{FF2B5EF4-FFF2-40B4-BE49-F238E27FC236}">
+                <a16:creationId xmlns:a16="http://schemas.microsoft.com/office/drawing/2014/main" id="{AA30E3D1-2D5F-45F6-840F-7084DB935215}"/>
+              </a:ext>
+            </a:extLst>
+          </p:cNvPr>
+          <p:cNvSpPr txBox="1"/>
+          <p:nvPr/>
+        </p:nvSpPr>
+        <p:spPr>
+          <a:xfrm>
+            <a:off x="744718" y="1229032"/>
+            <a:ext cx="3237347" cy="646331"/>
+          </a:xfrm>
+          <a:prstGeom prst="rect">
+            <a:avLst/>
+          </a:prstGeom>
+          <a:noFill/>
+        </p:spPr>
+        <p:txBody>
+          <a:bodyPr wrap="square" rtlCol="0">
+            <a:spAutoFit/>
+          </a:bodyPr>
+          <a:lstStyle/>
+          <a:p>
+            <a:r>
+              <a:rPr lang="zh-CN" altLang="en-US" dirty="0"/>
+              <a:t>利用提取的</a:t>
+            </a:r>
+            <a:r>
+              <a:rPr lang="en-US" altLang="zh-CN" dirty="0" err="1"/>
+              <a:t>xt</a:t>
+            </a:r>
+            <a:r>
+              <a:rPr lang="en-US" altLang="zh-CN" dirty="0"/>
+              <a:t> </a:t>
+            </a:r>
+            <a:r>
+              <a:rPr lang="zh-CN" altLang="en-US" dirty="0"/>
+              <a:t>与</a:t>
+            </a:r>
+            <a:r>
+              <a:rPr lang="en-US" altLang="zh-CN" dirty="0"/>
+              <a:t>LSTM</a:t>
+            </a:r>
+            <a:r>
+              <a:rPr lang="zh-CN" altLang="en-US" dirty="0"/>
+              <a:t>的隐层进行融合</a:t>
+            </a:r>
+          </a:p>
+        </p:txBody>
+      </p:sp>
     </p:spTree>
     <p:extLst>
       <p:ext uri="{BB962C8B-B14F-4D97-AF65-F5344CB8AC3E}">
-        <p14:creationId xmlns:p14="http://schemas.microsoft.com/office/powerpoint/2010/main" val="3841091616"/>
+        <p14:creationId xmlns:p14="http://schemas.microsoft.com/office/powerpoint/2010/main" val="1490847008"/>
       </p:ext>
     </p:extLst>
   </p:cSld>
@@ -4817,6 +5208,66 @@
     <p:extLst>
       <p:ext uri="{BB962C8B-B14F-4D97-AF65-F5344CB8AC3E}">
         <p14:creationId xmlns:p14="http://schemas.microsoft.com/office/powerpoint/2010/main" val="2205915851"/>
+      </p:ext>
+    </p:extLst>
+  </p:cSld>
+  <p:clrMapOvr>
+    <a:masterClrMapping/>
+  </p:clrMapOvr>
+</p:sld>
+</file>
+
+<file path=ppt/slides/slide8.xml><?xml version="1.0" encoding="utf-8"?>
+<p:sld xmlns:a="http://schemas.openxmlformats.org/drawingml/2006/main" xmlns:r="http://schemas.openxmlformats.org/officeDocument/2006/relationships" xmlns:p="http://schemas.openxmlformats.org/presentationml/2006/main">
+  <p:cSld>
+    <p:spTree>
+      <p:nvGrpSpPr>
+        <p:cNvPr id="1" name=""/>
+        <p:cNvGrpSpPr/>
+        <p:nvPr/>
+      </p:nvGrpSpPr>
+      <p:grpSpPr>
+        <a:xfrm>
+          <a:off x="0" y="0"/>
+          <a:ext cx="0" cy="0"/>
+          <a:chOff x="0" y="0"/>
+          <a:chExt cx="0" cy="0"/>
+        </a:xfrm>
+      </p:grpSpPr>
+      <p:pic>
+        <p:nvPicPr>
+          <p:cNvPr id="4" name="图片 3">
+            <a:extLst>
+              <a:ext uri="{FF2B5EF4-FFF2-40B4-BE49-F238E27FC236}">
+                <a16:creationId xmlns:a16="http://schemas.microsoft.com/office/drawing/2014/main" id="{7E3E2823-31AE-4C93-B294-3CC8DB87604B}"/>
+              </a:ext>
+            </a:extLst>
+          </p:cNvPr>
+          <p:cNvPicPr>
+            <a:picLocks noChangeAspect="1"/>
+          </p:cNvPicPr>
+          <p:nvPr/>
+        </p:nvPicPr>
+        <p:blipFill>
+          <a:blip r:embed="rId2"/>
+          <a:stretch>
+            <a:fillRect/>
+          </a:stretch>
+        </p:blipFill>
+        <p:spPr>
+          <a:xfrm>
+            <a:off x="2105025" y="1423987"/>
+            <a:ext cx="7981950" cy="4010025"/>
+          </a:xfrm>
+          <a:prstGeom prst="rect">
+            <a:avLst/>
+          </a:prstGeom>
+        </p:spPr>
+      </p:pic>
+    </p:spTree>
+    <p:extLst>
+      <p:ext uri="{BB962C8B-B14F-4D97-AF65-F5344CB8AC3E}">
+        <p14:creationId xmlns:p14="http://schemas.microsoft.com/office/powerpoint/2010/main" val="3841091616"/>
       </p:ext>
     </p:extLst>
   </p:cSld>
